--- a/2013180055_허지훈2.pptx
+++ b/2013180055_허지훈2.pptx
@@ -11,7 +11,6 @@
     <p:sldId id="259" r:id="rId5"/>
     <p:sldId id="260" r:id="rId6"/>
     <p:sldId id="261" r:id="rId7"/>
-    <p:sldId id="262" r:id="rId8"/>
   </p:sldIdLst>
   <p:sldSz cx="9144000" cy="6858000" type="screen4x3"/>
   <p:notesSz cx="6858000" cy="9144000"/>
@@ -3231,6 +3230,13 @@
   <p:clrMapOvr>
     <a:masterClrMapping/>
   </p:clrMapOvr>
+  <p:timing>
+    <p:tnLst>
+      <p:par>
+        <p:cTn id="1" dur="indefinite" restart="never" nodeType="tmRoot"/>
+      </p:par>
+    </p:tnLst>
+  </p:timing>
 </p:sld>
 </file>
 
@@ -3343,6 +3349,13 @@
   <p:clrMapOvr>
     <a:masterClrMapping/>
   </p:clrMapOvr>
+  <p:timing>
+    <p:tnLst>
+      <p:par>
+        <p:cTn id="1" dur="indefinite" restart="never" nodeType="tmRoot"/>
+      </p:par>
+    </p:tnLst>
+  </p:timing>
 </p:sld>
 </file>
 
@@ -4870,7 +4883,6 @@
                         <a:rPr lang="en-US" altLang="ko-KR" sz="1200" dirty="0" smtClean="0"/>
                         <a:t>(0%)</a:t>
                       </a:r>
-                      <a:endParaRPr lang="en-US" altLang="ko-KR" sz="1200" dirty="0" smtClean="0"/>
                     </a:p>
                   </a:txBody>
                   <a:tcPr/>
@@ -5017,7 +5029,6 @@
                         <a:rPr lang="en-US" altLang="ko-KR" sz="1200" dirty="0" smtClean="0"/>
                         <a:t>(0%)</a:t>
                       </a:r>
-                      <a:endParaRPr lang="en-US" altLang="ko-KR" sz="1200" dirty="0" smtClean="0"/>
                     </a:p>
                   </a:txBody>
                   <a:tcPr/>
@@ -5677,67 +5688,6 @@
     <p:extLst>
       <p:ext uri="{BB962C8B-B14F-4D97-AF65-F5344CB8AC3E}">
         <p14:creationId xmlns:p14="http://schemas.microsoft.com/office/powerpoint/2010/main" val="2250829413"/>
-      </p:ext>
-    </p:extLst>
-  </p:cSld>
-  <p:clrMapOvr>
-    <a:masterClrMapping/>
-  </p:clrMapOvr>
-</p:sld>
-</file>
-
-<file path=ppt/slides/slide7.xml><?xml version="1.0" encoding="utf-8"?>
-<p:sld xmlns:a="http://schemas.openxmlformats.org/drawingml/2006/main" xmlns:r="http://schemas.openxmlformats.org/officeDocument/2006/relationships" xmlns:p="http://schemas.openxmlformats.org/presentationml/2006/main">
-  <p:cSld>
-    <p:spTree>
-      <p:nvGrpSpPr>
-        <p:cNvPr id="1" name=""/>
-        <p:cNvGrpSpPr/>
-        <p:nvPr/>
-      </p:nvGrpSpPr>
-      <p:grpSpPr>
-        <a:xfrm>
-          <a:off x="0" y="0"/>
-          <a:ext cx="0" cy="0"/>
-          <a:chOff x="0" y="0"/>
-          <a:chExt cx="0" cy="0"/>
-        </a:xfrm>
-      </p:grpSpPr>
-      <p:sp>
-        <p:nvSpPr>
-          <p:cNvPr id="2" name="제목 1"/>
-          <p:cNvSpPr>
-            <a:spLocks noGrp="1"/>
-          </p:cNvSpPr>
-          <p:nvPr>
-            <p:ph type="title"/>
-          </p:nvPr>
-        </p:nvSpPr>
-        <p:spPr>
-          <a:xfrm>
-            <a:off x="914400" y="2562935"/>
-            <a:ext cx="7315200" cy="1154097"/>
-          </a:xfrm>
-        </p:spPr>
-        <p:txBody>
-          <a:bodyPr>
-            <a:noAutofit/>
-          </a:bodyPr>
-          <a:lstStyle/>
-          <a:p>
-            <a:pPr algn="ctr"/>
-            <a:r>
-              <a:rPr lang="ko-KR" altLang="en-US" sz="9600" dirty="0" smtClean="0"/>
-              <a:t>감사합니다</a:t>
-            </a:r>
-            <a:endParaRPr lang="ko-KR" altLang="en-US" sz="9600" dirty="0"/>
-          </a:p>
-        </p:txBody>
-      </p:sp>
-    </p:spTree>
-    <p:extLst>
-      <p:ext uri="{BB962C8B-B14F-4D97-AF65-F5344CB8AC3E}">
-        <p14:creationId xmlns:p14="http://schemas.microsoft.com/office/powerpoint/2010/main" val="2021432723"/>
       </p:ext>
     </p:extLst>
   </p:cSld>
